--- a/Documents/load_in_solution_charactaristics_map_statement.pptx
+++ b/Documents/load_in_solution_charactaristics_map_statement.pptx
@@ -105,6 +105,11 @@
       </a:defRPr>
     </a:lvl9pPr>
   </p:defaultTextStyle>
+  <p:extLst>
+    <p:ext uri="{EFAFB233-063F-42B5-8137-9DF3F51BA10A}">
+      <p15:sldGuideLst xmlns:p15="http://schemas.microsoft.com/office/powerpoint/2012/main"/>
+    </p:ext>
+  </p:extLst>
 </p:presentation>
 </file>
 
@@ -255,7 +260,7 @@
           <a:p>
             <a:fld id="{10C042C4-C732-43BC-8CCE-B1B0A9F221DE}" type="datetimeFigureOut">
               <a:rPr lang="en-US" smtClean="0"/>
-              <a:t>9/22/2020</a:t>
+              <a:t>9/23/2020</a:t>
             </a:fld>
             <a:endParaRPr lang="en-US"/>
           </a:p>
@@ -453,7 +458,7 @@
           <a:p>
             <a:fld id="{10C042C4-C732-43BC-8CCE-B1B0A9F221DE}" type="datetimeFigureOut">
               <a:rPr lang="en-US" smtClean="0"/>
-              <a:t>9/22/2020</a:t>
+              <a:t>9/23/2020</a:t>
             </a:fld>
             <a:endParaRPr lang="en-US"/>
           </a:p>
@@ -661,7 +666,7 @@
           <a:p>
             <a:fld id="{10C042C4-C732-43BC-8CCE-B1B0A9F221DE}" type="datetimeFigureOut">
               <a:rPr lang="en-US" smtClean="0"/>
-              <a:t>9/22/2020</a:t>
+              <a:t>9/23/2020</a:t>
             </a:fld>
             <a:endParaRPr lang="en-US"/>
           </a:p>
@@ -859,7 +864,7 @@
           <a:p>
             <a:fld id="{10C042C4-C732-43BC-8CCE-B1B0A9F221DE}" type="datetimeFigureOut">
               <a:rPr lang="en-US" smtClean="0"/>
-              <a:t>9/22/2020</a:t>
+              <a:t>9/23/2020</a:t>
             </a:fld>
             <a:endParaRPr lang="en-US"/>
           </a:p>
@@ -1134,7 +1139,7 @@
           <a:p>
             <a:fld id="{10C042C4-C732-43BC-8CCE-B1B0A9F221DE}" type="datetimeFigureOut">
               <a:rPr lang="en-US" smtClean="0"/>
-              <a:t>9/22/2020</a:t>
+              <a:t>9/23/2020</a:t>
             </a:fld>
             <a:endParaRPr lang="en-US"/>
           </a:p>
@@ -1399,7 +1404,7 @@
           <a:p>
             <a:fld id="{10C042C4-C732-43BC-8CCE-B1B0A9F221DE}" type="datetimeFigureOut">
               <a:rPr lang="en-US" smtClean="0"/>
-              <a:t>9/22/2020</a:t>
+              <a:t>9/23/2020</a:t>
             </a:fld>
             <a:endParaRPr lang="en-US"/>
           </a:p>
@@ -1811,7 +1816,7 @@
           <a:p>
             <a:fld id="{10C042C4-C732-43BC-8CCE-B1B0A9F221DE}" type="datetimeFigureOut">
               <a:rPr lang="en-US" smtClean="0"/>
-              <a:t>9/22/2020</a:t>
+              <a:t>9/23/2020</a:t>
             </a:fld>
             <a:endParaRPr lang="en-US"/>
           </a:p>
@@ -1952,7 +1957,7 @@
           <a:p>
             <a:fld id="{10C042C4-C732-43BC-8CCE-B1B0A9F221DE}" type="datetimeFigureOut">
               <a:rPr lang="en-US" smtClean="0"/>
-              <a:t>9/22/2020</a:t>
+              <a:t>9/23/2020</a:t>
             </a:fld>
             <a:endParaRPr lang="en-US"/>
           </a:p>
@@ -2065,7 +2070,7 @@
           <a:p>
             <a:fld id="{10C042C4-C732-43BC-8CCE-B1B0A9F221DE}" type="datetimeFigureOut">
               <a:rPr lang="en-US" smtClean="0"/>
-              <a:t>9/22/2020</a:t>
+              <a:t>9/23/2020</a:t>
             </a:fld>
             <a:endParaRPr lang="en-US"/>
           </a:p>
@@ -2376,7 +2381,7 @@
           <a:p>
             <a:fld id="{10C042C4-C732-43BC-8CCE-B1B0A9F221DE}" type="datetimeFigureOut">
               <a:rPr lang="en-US" smtClean="0"/>
-              <a:t>9/22/2020</a:t>
+              <a:t>9/23/2020</a:t>
             </a:fld>
             <a:endParaRPr lang="en-US"/>
           </a:p>
@@ -2664,7 +2669,7 @@
           <a:p>
             <a:fld id="{10C042C4-C732-43BC-8CCE-B1B0A9F221DE}" type="datetimeFigureOut">
               <a:rPr lang="en-US" smtClean="0"/>
-              <a:t>9/22/2020</a:t>
+              <a:t>9/23/2020</a:t>
             </a:fld>
             <a:endParaRPr lang="en-US"/>
           </a:p>
@@ -2905,7 +2910,7 @@
           <a:p>
             <a:fld id="{10C042C4-C732-43BC-8CCE-B1B0A9F221DE}" type="datetimeFigureOut">
               <a:rPr lang="en-US" smtClean="0"/>
-              <a:t>9/22/2020</a:t>
+              <a:t>9/23/2020</a:t>
             </a:fld>
             <a:endParaRPr lang="en-US"/>
           </a:p>
@@ -3341,12 +3346,12 @@
         <p:spPr>
           <a:xfrm>
             <a:off x="457200" y="438150"/>
-            <a:ext cx="5562600" cy="5738813"/>
+            <a:ext cx="3609703" cy="5738813"/>
           </a:xfrm>
         </p:spPr>
         <p:txBody>
           <a:bodyPr>
-            <a:normAutofit lnSpcReduction="10000"/>
+            <a:normAutofit fontScale="92500" lnSpcReduction="20000"/>
           </a:bodyPr>
           <a:lstStyle/>
           <a:p>
@@ -3358,13 +3363,13 @@
           <a:p>
             <a:r>
               <a:rPr lang="en-US" dirty="0"/>
-              <a:t>People move infrequently: they don’t have a lot of experience doing it</a:t>
+              <a:t>Packing the truck requires many considerations: weight distribution, safety, etc.</a:t>
             </a:r>
           </a:p>
           <a:p>
             <a:r>
               <a:rPr lang="en-US" dirty="0"/>
-              <a:t>Poor packing is costly</a:t>
+              <a:t>Poor packing can be costly</a:t>
             </a:r>
           </a:p>
           <a:p>
@@ -3382,13 +3387,6 @@
             </a:r>
           </a:p>
           <a:p>
-            <a:pPr lvl="1"/>
-            <a:r>
-              <a:rPr lang="en-US" dirty="0"/>
-              <a:t>Time wasted</a:t>
-            </a:r>
-          </a:p>
-          <a:p>
             <a:r>
               <a:rPr lang="en-US" dirty="0"/>
               <a:t>Moving is stressful</a:t>
@@ -3409,6 +3407,12 @@
             </a:r>
           </a:p>
           <a:p>
+            <a:r>
+              <a:rPr lang="en-US" dirty="0"/>
+              <a:t>How big a truck, how many trips, etc. is hard to determine</a:t>
+            </a:r>
+          </a:p>
+          <a:p>
             <a:pPr marL="457200" lvl="1" indent="0">
               <a:buNone/>
             </a:pPr>
@@ -3434,13 +3438,13 @@
         </p:nvSpPr>
         <p:spPr>
           <a:xfrm>
-            <a:off x="6159137" y="438150"/>
-            <a:ext cx="5575661" cy="5738813"/>
+            <a:off x="7006046" y="438150"/>
+            <a:ext cx="4728752" cy="5738813"/>
           </a:xfrm>
         </p:spPr>
         <p:txBody>
           <a:bodyPr>
-            <a:normAutofit lnSpcReduction="10000"/>
+            <a:normAutofit fontScale="92500" lnSpcReduction="20000"/>
           </a:bodyPr>
           <a:lstStyle/>
           <a:p>
@@ -3450,58 +3454,7 @@
             </a:r>
             <a:r>
               <a:rPr lang="en-US" dirty="0"/>
-              <a:t> automatically generates detailed instructions on loading the truck</a:t>
-            </a:r>
-          </a:p>
-          <a:p>
-            <a:pPr lvl="1"/>
-            <a:r>
-              <a:rPr lang="en-US" dirty="0"/>
-              <a:t>User can </a:t>
-            </a:r>
-            <a:r>
-              <a:rPr lang="en-US" dirty="0" err="1"/>
-              <a:t>specifiy</a:t>
-            </a:r>
-            <a:r>
-              <a:rPr lang="en-US" dirty="0"/>
-              <a:t> items as fragile</a:t>
-            </a:r>
-          </a:p>
-          <a:p>
-            <a:pPr lvl="1"/>
-            <a:r>
-              <a:rPr lang="en-US" dirty="0"/>
-              <a:t>User can specify items as heavy</a:t>
-            </a:r>
-          </a:p>
-          <a:p>
-            <a:pPr lvl="1"/>
-            <a:r>
-              <a:rPr lang="en-US" dirty="0"/>
-              <a:t>User can </a:t>
-            </a:r>
-            <a:r>
-              <a:rPr lang="en-US" dirty="0" err="1"/>
-              <a:t>specifiy</a:t>
-            </a:r>
-            <a:r>
-              <a:rPr lang="en-US" dirty="0"/>
-              <a:t> items are high priority for unloading</a:t>
-            </a:r>
-          </a:p>
-          <a:p>
-            <a:pPr lvl="1"/>
-            <a:r>
-              <a:rPr lang="en-US" dirty="0"/>
-              <a:t>Instructions optimize use of space based on shape of objects and aforementioned factors</a:t>
-            </a:r>
-          </a:p>
-          <a:p>
-            <a:pPr lvl="1"/>
-            <a:r>
-              <a:rPr lang="en-US" dirty="0"/>
-              <a:t>If multiple loads are needed it will quickly become apparent</a:t>
+              <a:t> automatically generates detailed instructions on loading the truck so you can load the truck like a pro.</a:t>
             </a:r>
           </a:p>
           <a:p>
@@ -3511,17 +3464,48 @@
             </a:r>
             <a:r>
               <a:rPr lang="en-US" dirty="0"/>
+              <a:t> takes user specified weight, fragility, and priority into account when creating the moving plan.</a:t>
+            </a:r>
+          </a:p>
+          <a:p>
+            <a:r>
+              <a:rPr lang="en-US" dirty="0" err="1"/>
+              <a:t>Load.In</a:t>
+            </a:r>
+            <a:r>
+              <a:rPr lang="en-US" dirty="0"/>
               <a:t> provides a detailed 3D map of the loaded truck to assist in unloading</a:t>
+            </a:r>
+          </a:p>
+          <a:p>
+            <a:r>
+              <a:rPr lang="en-US" dirty="0" err="1"/>
+              <a:t>Load.In</a:t>
+            </a:r>
+            <a:r>
+              <a:rPr lang="en-US" dirty="0"/>
+              <a:t> finds you the best deal based on input data</a:t>
+            </a:r>
+          </a:p>
+          <a:p>
+            <a:pPr lvl="1"/>
+            <a:r>
+              <a:rPr lang="en-US" dirty="0" err="1"/>
+              <a:t>Load.In</a:t>
+            </a:r>
+            <a:r>
+              <a:rPr lang="en-US" dirty="0"/>
+              <a:t> will tell you how many trips will need to be made based on size of truck</a:t>
             </a:r>
           </a:p>
         </p:txBody>
       </p:sp>
       <p:cxnSp>
         <p:nvCxnSpPr>
-          <p:cNvPr id="8" name="Straight Arrow Connector 7">
-            <a:extLst>
-              <a:ext uri="{FF2B5EF4-FFF2-40B4-BE49-F238E27FC236}">
-                <a16:creationId xmlns:a16="http://schemas.microsoft.com/office/drawing/2014/main" id="{D65C222A-F8F2-4DA6-907E-74083D363BA0}"/>
+          <p:cNvPr id="59" name="Straight Arrow Connector 58">
+            <a:extLst>
+              <a:ext uri="{FF2B5EF4-FFF2-40B4-BE49-F238E27FC236}">
+                <a16:creationId xmlns:a16="http://schemas.microsoft.com/office/drawing/2014/main" id="{289549AE-6894-4B3C-AF8A-A1D1458C856E}"/>
               </a:ext>
             </a:extLst>
           </p:cNvPr>
@@ -3530,13 +3514,13 @@
         </p:nvCxnSpPr>
         <p:spPr>
           <a:xfrm>
-            <a:off x="4432663" y="679269"/>
-            <a:ext cx="1587137" cy="0"/>
+            <a:off x="3387634" y="609600"/>
+            <a:ext cx="3509555" cy="0"/>
           </a:xfrm>
           <a:prstGeom prst="straightConnector1">
             <a:avLst/>
           </a:prstGeom>
-          <a:ln>
+          <a:ln w="38100">
             <a:tailEnd type="triangle"/>
           </a:ln>
         </p:spPr>
@@ -3557,10 +3541,10 @@
       </p:cxnSp>
       <p:cxnSp>
         <p:nvCxnSpPr>
-          <p:cNvPr id="9" name="Straight Arrow Connector 8">
-            <a:extLst>
-              <a:ext uri="{FF2B5EF4-FFF2-40B4-BE49-F238E27FC236}">
-                <a16:creationId xmlns:a16="http://schemas.microsoft.com/office/drawing/2014/main" id="{D0F9C657-F097-4DD0-A65F-0A373F92A3F6}"/>
+          <p:cNvPr id="60" name="Straight Arrow Connector 59">
+            <a:extLst>
+              <a:ext uri="{FF2B5EF4-FFF2-40B4-BE49-F238E27FC236}">
+                <a16:creationId xmlns:a16="http://schemas.microsoft.com/office/drawing/2014/main" id="{B15E5C1F-8C27-4D4F-A1C4-0B28D8094DF7}"/>
               </a:ext>
             </a:extLst>
           </p:cNvPr>
@@ -3570,14 +3554,14 @@
           <p:nvPr/>
         </p:nvCxnSpPr>
         <p:spPr>
-          <a:xfrm flipV="1">
-            <a:off x="5442857" y="679269"/>
-            <a:ext cx="576943" cy="731521"/>
+          <a:xfrm>
+            <a:off x="3387634" y="1519646"/>
+            <a:ext cx="3509555" cy="309154"/>
           </a:xfrm>
           <a:prstGeom prst="straightConnector1">
             <a:avLst/>
           </a:prstGeom>
-          <a:ln>
+          <a:ln w="38100">
             <a:tailEnd type="triangle"/>
           </a:ln>
         </p:spPr>
@@ -3598,10 +3582,10 @@
       </p:cxnSp>
       <p:cxnSp>
         <p:nvCxnSpPr>
-          <p:cNvPr id="13" name="Straight Arrow Connector 12">
-            <a:extLst>
-              <a:ext uri="{FF2B5EF4-FFF2-40B4-BE49-F238E27FC236}">
-                <a16:creationId xmlns:a16="http://schemas.microsoft.com/office/drawing/2014/main" id="{6A1AA068-C0DF-4640-A9B4-ABD5769F8348}"/>
+          <p:cNvPr id="62" name="Straight Arrow Connector 61">
+            <a:extLst>
+              <a:ext uri="{FF2B5EF4-FFF2-40B4-BE49-F238E27FC236}">
+                <a16:creationId xmlns:a16="http://schemas.microsoft.com/office/drawing/2014/main" id="{C8FA89FE-DAA4-440A-B825-1557FD6E8BD9}"/>
               </a:ext>
             </a:extLst>
           </p:cNvPr>
@@ -3612,13 +3596,13 @@
         </p:nvCxnSpPr>
         <p:spPr>
           <a:xfrm flipV="1">
-            <a:off x="3683726" y="1689463"/>
-            <a:ext cx="2987040" cy="1367246"/>
+            <a:off x="3614057" y="609600"/>
+            <a:ext cx="3283132" cy="2351314"/>
           </a:xfrm>
           <a:prstGeom prst="straightConnector1">
             <a:avLst/>
           </a:prstGeom>
-          <a:ln>
+          <a:ln w="38100">
             <a:tailEnd type="triangle"/>
           </a:ln>
         </p:spPr>
@@ -3639,10 +3623,10 @@
       </p:cxnSp>
       <p:cxnSp>
         <p:nvCxnSpPr>
-          <p:cNvPr id="16" name="Straight Arrow Connector 15">
-            <a:extLst>
-              <a:ext uri="{FF2B5EF4-FFF2-40B4-BE49-F238E27FC236}">
-                <a16:creationId xmlns:a16="http://schemas.microsoft.com/office/drawing/2014/main" id="{756F0D10-3D78-48A9-A8CB-70635773A602}"/>
+          <p:cNvPr id="67" name="Straight Arrow Connector 66">
+            <a:extLst>
+              <a:ext uri="{FF2B5EF4-FFF2-40B4-BE49-F238E27FC236}">
+                <a16:creationId xmlns:a16="http://schemas.microsoft.com/office/drawing/2014/main" id="{74349453-94FB-4F86-98C0-A63906662726}"/>
               </a:ext>
             </a:extLst>
           </p:cNvPr>
@@ -3653,13 +3637,13 @@
         </p:nvCxnSpPr>
         <p:spPr>
           <a:xfrm flipV="1">
-            <a:off x="3683726" y="2037806"/>
-            <a:ext cx="2987040" cy="1018903"/>
+            <a:off x="3936274" y="4005943"/>
+            <a:ext cx="3069772" cy="1332411"/>
           </a:xfrm>
           <a:prstGeom prst="straightConnector1">
             <a:avLst/>
           </a:prstGeom>
-          <a:ln>
+          <a:ln w="38100">
             <a:tailEnd type="triangle"/>
           </a:ln>
         </p:spPr>
@@ -3680,10 +3664,10 @@
       </p:cxnSp>
       <p:cxnSp>
         <p:nvCxnSpPr>
-          <p:cNvPr id="19" name="Straight Arrow Connector 18">
-            <a:extLst>
-              <a:ext uri="{FF2B5EF4-FFF2-40B4-BE49-F238E27FC236}">
-                <a16:creationId xmlns:a16="http://schemas.microsoft.com/office/drawing/2014/main" id="{F27FA9B8-91FE-4257-9DA0-AD86E7FCBDA2}"/>
+          <p:cNvPr id="70" name="Straight Arrow Connector 69">
+            <a:extLst>
+              <a:ext uri="{FF2B5EF4-FFF2-40B4-BE49-F238E27FC236}">
+                <a16:creationId xmlns:a16="http://schemas.microsoft.com/office/drawing/2014/main" id="{F66B32A6-8399-4BF3-90BD-3482F47F238B}"/>
               </a:ext>
             </a:extLst>
           </p:cNvPr>
@@ -3694,13 +3678,13 @@
         </p:nvCxnSpPr>
         <p:spPr>
           <a:xfrm flipV="1">
-            <a:off x="2358935" y="1036326"/>
-            <a:ext cx="3813264" cy="3483423"/>
+            <a:off x="3387634" y="3056709"/>
+            <a:ext cx="3609703" cy="971005"/>
           </a:xfrm>
           <a:prstGeom prst="straightConnector1">
             <a:avLst/>
           </a:prstGeom>
-          <a:ln>
+          <a:ln w="38100">
             <a:tailEnd type="triangle"/>
           </a:ln>
         </p:spPr>
@@ -3721,10 +3705,10 @@
       </p:cxnSp>
       <p:cxnSp>
         <p:nvCxnSpPr>
-          <p:cNvPr id="22" name="Straight Arrow Connector 21">
-            <a:extLst>
-              <a:ext uri="{FF2B5EF4-FFF2-40B4-BE49-F238E27FC236}">
-                <a16:creationId xmlns:a16="http://schemas.microsoft.com/office/drawing/2014/main" id="{E3C58364-6490-4BF2-9178-5BD42F49AE22}"/>
+          <p:cNvPr id="72" name="Straight Arrow Connector 71">
+            <a:extLst>
+              <a:ext uri="{FF2B5EF4-FFF2-40B4-BE49-F238E27FC236}">
+                <a16:creationId xmlns:a16="http://schemas.microsoft.com/office/drawing/2014/main" id="{A9F8BC98-3F9D-4E4C-BD8B-2EBE4719772D}"/>
               </a:ext>
             </a:extLst>
           </p:cNvPr>
@@ -3734,14 +3718,14 @@
           <p:nvPr/>
         </p:nvCxnSpPr>
         <p:spPr>
-          <a:xfrm flipV="1">
-            <a:off x="2358935" y="4711337"/>
-            <a:ext cx="3737065" cy="165463"/>
+          <a:xfrm>
+            <a:off x="3387634" y="609600"/>
+            <a:ext cx="3609703" cy="3418114"/>
           </a:xfrm>
           <a:prstGeom prst="straightConnector1">
             <a:avLst/>
           </a:prstGeom>
-          <a:ln>
+          <a:ln w="38100">
             <a:tailEnd type="triangle"/>
           </a:ln>
         </p:spPr>
@@ -3762,10 +3746,10 @@
       </p:cxnSp>
       <p:cxnSp>
         <p:nvCxnSpPr>
-          <p:cNvPr id="29" name="Straight Arrow Connector 28">
-            <a:extLst>
-              <a:ext uri="{FF2B5EF4-FFF2-40B4-BE49-F238E27FC236}">
-                <a16:creationId xmlns:a16="http://schemas.microsoft.com/office/drawing/2014/main" id="{191D1717-0010-4EFF-9DCC-E802C66D58DC}"/>
+          <p:cNvPr id="75" name="Straight Arrow Connector 74">
+            <a:extLst>
+              <a:ext uri="{FF2B5EF4-FFF2-40B4-BE49-F238E27FC236}">
+                <a16:creationId xmlns:a16="http://schemas.microsoft.com/office/drawing/2014/main" id="{AD4FA955-651B-4AFE-82EC-4BB17E75FFD3}"/>
               </a:ext>
             </a:extLst>
           </p:cNvPr>
@@ -3776,136 +3760,13 @@
         </p:nvCxnSpPr>
         <p:spPr>
           <a:xfrm flipV="1">
-            <a:off x="2586446" y="3056709"/>
-            <a:ext cx="4084320" cy="372291"/>
+            <a:off x="3387634" y="609599"/>
+            <a:ext cx="3509555" cy="3418115"/>
           </a:xfrm>
           <a:prstGeom prst="straightConnector1">
             <a:avLst/>
           </a:prstGeom>
-          <a:ln>
-            <a:tailEnd type="triangle"/>
-          </a:ln>
-        </p:spPr>
-        <p:style>
-          <a:lnRef idx="1">
-            <a:schemeClr val="accent1"/>
-          </a:lnRef>
-          <a:fillRef idx="0">
-            <a:schemeClr val="accent1"/>
-          </a:fillRef>
-          <a:effectRef idx="0">
-            <a:schemeClr val="accent1"/>
-          </a:effectRef>
-          <a:fontRef idx="minor">
-            <a:schemeClr val="tx1"/>
-          </a:fontRef>
-        </p:style>
-      </p:cxnSp>
-      <p:cxnSp>
-        <p:nvCxnSpPr>
-          <p:cNvPr id="32" name="Straight Arrow Connector 31">
-            <a:extLst>
-              <a:ext uri="{FF2B5EF4-FFF2-40B4-BE49-F238E27FC236}">
-                <a16:creationId xmlns:a16="http://schemas.microsoft.com/office/drawing/2014/main" id="{53FDF730-A0AA-4713-BFAA-F902378F8E74}"/>
-              </a:ext>
-            </a:extLst>
-          </p:cNvPr>
-          <p:cNvCxnSpPr>
-            <a:cxnSpLocks/>
-          </p:cNvCxnSpPr>
-          <p:nvPr/>
-        </p:nvCxnSpPr>
-        <p:spPr>
-          <a:xfrm flipV="1">
-            <a:off x="2926080" y="3056709"/>
-            <a:ext cx="3744686" cy="670560"/>
-          </a:xfrm>
-          <a:prstGeom prst="straightConnector1">
-            <a:avLst/>
-          </a:prstGeom>
-          <a:ln>
-            <a:tailEnd type="triangle"/>
-          </a:ln>
-        </p:spPr>
-        <p:style>
-          <a:lnRef idx="1">
-            <a:schemeClr val="accent1"/>
-          </a:lnRef>
-          <a:fillRef idx="0">
-            <a:schemeClr val="accent1"/>
-          </a:fillRef>
-          <a:effectRef idx="0">
-            <a:schemeClr val="accent1"/>
-          </a:effectRef>
-          <a:fontRef idx="minor">
-            <a:schemeClr val="tx1"/>
-          </a:fontRef>
-        </p:style>
-      </p:cxnSp>
-      <p:cxnSp>
-        <p:nvCxnSpPr>
-          <p:cNvPr id="34" name="Straight Arrow Connector 33">
-            <a:extLst>
-              <a:ext uri="{FF2B5EF4-FFF2-40B4-BE49-F238E27FC236}">
-                <a16:creationId xmlns:a16="http://schemas.microsoft.com/office/drawing/2014/main" id="{73BB1F17-4239-402A-A24B-E811D813A0CD}"/>
-              </a:ext>
-            </a:extLst>
-          </p:cNvPr>
-          <p:cNvCxnSpPr>
-            <a:cxnSpLocks/>
-          </p:cNvCxnSpPr>
-          <p:nvPr/>
-        </p:nvCxnSpPr>
-        <p:spPr>
-          <a:xfrm>
-            <a:off x="3683726" y="3056709"/>
-            <a:ext cx="2987040" cy="1"/>
-          </a:xfrm>
-          <a:prstGeom prst="straightConnector1">
-            <a:avLst/>
-          </a:prstGeom>
-          <a:ln>
-            <a:tailEnd type="triangle"/>
-          </a:ln>
-        </p:spPr>
-        <p:style>
-          <a:lnRef idx="1">
-            <a:schemeClr val="accent1"/>
-          </a:lnRef>
-          <a:fillRef idx="0">
-            <a:schemeClr val="accent1"/>
-          </a:fillRef>
-          <a:effectRef idx="0">
-            <a:schemeClr val="accent1"/>
-          </a:effectRef>
-          <a:fontRef idx="minor">
-            <a:schemeClr val="tx1"/>
-          </a:fontRef>
-        </p:style>
-      </p:cxnSp>
-      <p:cxnSp>
-        <p:nvCxnSpPr>
-          <p:cNvPr id="54" name="Straight Arrow Connector 53">
-            <a:extLst>
-              <a:ext uri="{FF2B5EF4-FFF2-40B4-BE49-F238E27FC236}">
-                <a16:creationId xmlns:a16="http://schemas.microsoft.com/office/drawing/2014/main" id="{63D8EA73-711C-4CA5-91C1-9CA77CF1AAEE}"/>
-              </a:ext>
-            </a:extLst>
-          </p:cNvPr>
-          <p:cNvCxnSpPr>
-            <a:cxnSpLocks/>
-          </p:cNvCxnSpPr>
-          <p:nvPr/>
-        </p:nvCxnSpPr>
-        <p:spPr>
-          <a:xfrm flipV="1">
-            <a:off x="2358935" y="3979817"/>
-            <a:ext cx="4311831" cy="896984"/>
-          </a:xfrm>
-          <a:prstGeom prst="straightConnector1">
-            <a:avLst/>
-          </a:prstGeom>
-          <a:ln>
+          <a:ln w="38100">
             <a:tailEnd type="triangle"/>
           </a:ln>
         </p:spPr>
@@ -3999,7 +3860,7 @@
             </a:r>
             <a:r>
               <a:rPr lang="en-US" dirty="0"/>
-              <a:t> gives your move a game plan by providing expert-level truck loading instructions as well as tools to help manage the logistics of moving day and in the process gives you some peace of mind during a stressful life event.</a:t>
+              <a:t> gives your move a game plan by helping you find the best deal on your truck rental, providing expert truck loading instructions and giving you tools to help manage the logistics of moving day: all to give you some peace of mind during a stressful life event.</a:t>
             </a:r>
           </a:p>
         </p:txBody>
